--- a/Presentation1.pptx
+++ b/Presentation1.pptx
@@ -6,6 +6,7 @@
   </p:sldMasterIdLst>
   <p:sldIdLst>
     <p:sldId id="256" r:id="rId2"/>
+    <p:sldId id="257" r:id="rId3"/>
   </p:sldIdLst>
   <p:sldSz cx="12192000" cy="6858000"/>
   <p:notesSz cx="6858000" cy="9144000"/>
@@ -259,7 +260,7 @@
           <a:p>
             <a:fld id="{EED3AD42-1EC7-443C-9952-81A0A3BC035F}" type="datetimeFigureOut">
               <a:rPr lang="en-US" smtClean="0"/>
-              <a:t>11/1/2024</a:t>
+              <a:t>5/16/2025</a:t>
             </a:fld>
             <a:endParaRPr lang="en-US"/>
           </a:p>
@@ -457,7 +458,7 @@
           <a:p>
             <a:fld id="{EED3AD42-1EC7-443C-9952-81A0A3BC035F}" type="datetimeFigureOut">
               <a:rPr lang="en-US" smtClean="0"/>
-              <a:t>11/1/2024</a:t>
+              <a:t>5/16/2025</a:t>
             </a:fld>
             <a:endParaRPr lang="en-US"/>
           </a:p>
@@ -665,7 +666,7 @@
           <a:p>
             <a:fld id="{EED3AD42-1EC7-443C-9952-81A0A3BC035F}" type="datetimeFigureOut">
               <a:rPr lang="en-US" smtClean="0"/>
-              <a:t>11/1/2024</a:t>
+              <a:t>5/16/2025</a:t>
             </a:fld>
             <a:endParaRPr lang="en-US"/>
           </a:p>
@@ -863,7 +864,7 @@
           <a:p>
             <a:fld id="{EED3AD42-1EC7-443C-9952-81A0A3BC035F}" type="datetimeFigureOut">
               <a:rPr lang="en-US" smtClean="0"/>
-              <a:t>11/1/2024</a:t>
+              <a:t>5/16/2025</a:t>
             </a:fld>
             <a:endParaRPr lang="en-US"/>
           </a:p>
@@ -1138,7 +1139,7 @@
           <a:p>
             <a:fld id="{EED3AD42-1EC7-443C-9952-81A0A3BC035F}" type="datetimeFigureOut">
               <a:rPr lang="en-US" smtClean="0"/>
-              <a:t>11/1/2024</a:t>
+              <a:t>5/16/2025</a:t>
             </a:fld>
             <a:endParaRPr lang="en-US"/>
           </a:p>
@@ -1403,7 +1404,7 @@
           <a:p>
             <a:fld id="{EED3AD42-1EC7-443C-9952-81A0A3BC035F}" type="datetimeFigureOut">
               <a:rPr lang="en-US" smtClean="0"/>
-              <a:t>11/1/2024</a:t>
+              <a:t>5/16/2025</a:t>
             </a:fld>
             <a:endParaRPr lang="en-US"/>
           </a:p>
@@ -1815,7 +1816,7 @@
           <a:p>
             <a:fld id="{EED3AD42-1EC7-443C-9952-81A0A3BC035F}" type="datetimeFigureOut">
               <a:rPr lang="en-US" smtClean="0"/>
-              <a:t>11/1/2024</a:t>
+              <a:t>5/16/2025</a:t>
             </a:fld>
             <a:endParaRPr lang="en-US"/>
           </a:p>
@@ -1956,7 +1957,7 @@
           <a:p>
             <a:fld id="{EED3AD42-1EC7-443C-9952-81A0A3BC035F}" type="datetimeFigureOut">
               <a:rPr lang="en-US" smtClean="0"/>
-              <a:t>11/1/2024</a:t>
+              <a:t>5/16/2025</a:t>
             </a:fld>
             <a:endParaRPr lang="en-US"/>
           </a:p>
@@ -2069,7 +2070,7 @@
           <a:p>
             <a:fld id="{EED3AD42-1EC7-443C-9952-81A0A3BC035F}" type="datetimeFigureOut">
               <a:rPr lang="en-US" smtClean="0"/>
-              <a:t>11/1/2024</a:t>
+              <a:t>5/16/2025</a:t>
             </a:fld>
             <a:endParaRPr lang="en-US"/>
           </a:p>
@@ -2380,7 +2381,7 @@
           <a:p>
             <a:fld id="{EED3AD42-1EC7-443C-9952-81A0A3BC035F}" type="datetimeFigureOut">
               <a:rPr lang="en-US" smtClean="0"/>
-              <a:t>11/1/2024</a:t>
+              <a:t>5/16/2025</a:t>
             </a:fld>
             <a:endParaRPr lang="en-US"/>
           </a:p>
@@ -2668,7 +2669,7 @@
           <a:p>
             <a:fld id="{EED3AD42-1EC7-443C-9952-81A0A3BC035F}" type="datetimeFigureOut">
               <a:rPr lang="en-US" smtClean="0"/>
-              <a:t>11/1/2024</a:t>
+              <a:t>5/16/2025</a:t>
             </a:fld>
             <a:endParaRPr lang="en-US"/>
           </a:p>
@@ -2909,7 +2910,7 @@
           <a:p>
             <a:fld id="{EED3AD42-1EC7-443C-9952-81A0A3BC035F}" type="datetimeFigureOut">
               <a:rPr lang="en-US" smtClean="0"/>
-              <a:t>11/1/2024</a:t>
+              <a:t>5/16/2025</a:t>
             </a:fld>
             <a:endParaRPr lang="en-US"/>
           </a:p>
@@ -4639,8 +4640,8 @@
           </a:fontRef>
         </p:style>
       </p:cxnSp>
-      <mc:AlternateContent xmlns:mc="http://schemas.openxmlformats.org/markup-compatibility/2006">
-        <mc:Choice xmlns:a14="http://schemas.microsoft.com/office/drawing/2010/main" Requires="a14">
+      <mc:AlternateContent xmlns:mc="http://schemas.openxmlformats.org/markup-compatibility/2006" xmlns:a14="http://schemas.microsoft.com/office/drawing/2010/main">
+        <mc:Choice Requires="a14">
           <p:sp>
             <p:nvSpPr>
               <p:cNvPr id="31" name="TextBox 30">
@@ -4694,7 +4695,7 @@
             </p:txBody>
           </p:sp>
         </mc:Choice>
-        <mc:Fallback>
+        <mc:Fallback xmlns="">
           <p:sp>
             <p:nvSpPr>
               <p:cNvPr id="31" name="TextBox 30">
@@ -4772,6 +4773,130 @@
     <p:extLst>
       <p:ext uri="{BB962C8B-B14F-4D97-AF65-F5344CB8AC3E}">
         <p14:creationId xmlns:p14="http://schemas.microsoft.com/office/powerpoint/2010/main" val="3063224323"/>
+      </p:ext>
+    </p:extLst>
+  </p:cSld>
+  <p:clrMapOvr>
+    <a:masterClrMapping/>
+  </p:clrMapOvr>
+</p:sld>
+</file>
+
+<file path=ppt/slides/slide2.xml><?xml version="1.0" encoding="utf-8"?>
+<p:sld xmlns:a="http://schemas.openxmlformats.org/drawingml/2006/main" xmlns:r="http://schemas.openxmlformats.org/officeDocument/2006/relationships" xmlns:p="http://schemas.openxmlformats.org/presentationml/2006/main">
+  <p:cSld>
+    <p:spTree>
+      <p:nvGrpSpPr>
+        <p:cNvPr id="1" name="">
+          <a:extLst>
+            <a:ext uri="{FF2B5EF4-FFF2-40B4-BE49-F238E27FC236}">
+              <a16:creationId xmlns:a16="http://schemas.microsoft.com/office/drawing/2014/main" id="{2AB1C1D2-A363-6764-4CE7-D5AF015151B2}"/>
+            </a:ext>
+          </a:extLst>
+        </p:cNvPr>
+        <p:cNvGrpSpPr/>
+        <p:nvPr/>
+      </p:nvGrpSpPr>
+      <p:grpSpPr>
+        <a:xfrm>
+          <a:off x="0" y="0"/>
+          <a:ext cx="0" cy="0"/>
+          <a:chOff x="0" y="0"/>
+          <a:chExt cx="0" cy="0"/>
+        </a:xfrm>
+      </p:grpSpPr>
+      <p:pic>
+        <p:nvPicPr>
+          <p:cNvPr id="4" name="Picture 3">
+            <a:extLst>
+              <a:ext uri="{FF2B5EF4-FFF2-40B4-BE49-F238E27FC236}">
+                <a16:creationId xmlns:a16="http://schemas.microsoft.com/office/drawing/2014/main" id="{EBB7B568-1DC6-29F7-C9A0-EFF86AC221D3}"/>
+              </a:ext>
+            </a:extLst>
+          </p:cNvPr>
+          <p:cNvPicPr>
+            <a:picLocks noChangeAspect="1"/>
+          </p:cNvPicPr>
+          <p:nvPr/>
+        </p:nvPicPr>
+        <p:blipFill>
+          <a:blip r:embed="rId2"/>
+          <a:srcRect t="1025"/>
+          <a:stretch/>
+        </p:blipFill>
+        <p:spPr>
+          <a:xfrm>
+            <a:off x="180975" y="1431334"/>
+            <a:ext cx="6115050" cy="3995332"/>
+          </a:xfrm>
+          <a:prstGeom prst="rect">
+            <a:avLst/>
+          </a:prstGeom>
+        </p:spPr>
+      </p:pic>
+      <p:pic>
+        <p:nvPicPr>
+          <p:cNvPr id="16" name="Picture 15">
+            <a:extLst>
+              <a:ext uri="{FF2B5EF4-FFF2-40B4-BE49-F238E27FC236}">
+                <a16:creationId xmlns:a16="http://schemas.microsoft.com/office/drawing/2014/main" id="{3314D7F9-F91F-5131-226F-898B88425C3E}"/>
+              </a:ext>
+            </a:extLst>
+          </p:cNvPr>
+          <p:cNvPicPr>
+            <a:picLocks noChangeAspect="1"/>
+          </p:cNvPicPr>
+          <p:nvPr/>
+        </p:nvPicPr>
+        <p:blipFill>
+          <a:blip r:embed="rId3"/>
+          <a:srcRect r="1080"/>
+          <a:stretch/>
+        </p:blipFill>
+        <p:spPr>
+          <a:xfrm>
+            <a:off x="6296025" y="1431334"/>
+            <a:ext cx="5791200" cy="4024182"/>
+          </a:xfrm>
+          <a:prstGeom prst="rect">
+            <a:avLst/>
+          </a:prstGeom>
+        </p:spPr>
+      </p:pic>
+      <p:pic>
+        <p:nvPicPr>
+          <p:cNvPr id="26" name="Picture 25">
+            <a:extLst>
+              <a:ext uri="{FF2B5EF4-FFF2-40B4-BE49-F238E27FC236}">
+                <a16:creationId xmlns:a16="http://schemas.microsoft.com/office/drawing/2014/main" id="{78D70E53-0375-29DC-DD47-357C92F6E01E}"/>
+              </a:ext>
+            </a:extLst>
+          </p:cNvPr>
+          <p:cNvPicPr>
+            <a:picLocks noChangeAspect="1"/>
+          </p:cNvPicPr>
+          <p:nvPr/>
+        </p:nvPicPr>
+        <p:blipFill>
+          <a:blip r:embed="rId4"/>
+          <a:stretch>
+            <a:fillRect/>
+          </a:stretch>
+        </p:blipFill>
+        <p:spPr>
+          <a:xfrm>
+            <a:off x="142740" y="1417145"/>
+            <a:ext cx="11906520" cy="4023709"/>
+          </a:xfrm>
+          <a:prstGeom prst="rect">
+            <a:avLst/>
+          </a:prstGeom>
+        </p:spPr>
+      </p:pic>
+    </p:spTree>
+    <p:extLst>
+      <p:ext uri="{BB962C8B-B14F-4D97-AF65-F5344CB8AC3E}">
+        <p14:creationId xmlns:p14="http://schemas.microsoft.com/office/powerpoint/2010/main" val="1837571636"/>
       </p:ext>
     </p:extLst>
   </p:cSld>
